--- a/Fihirana Fanampiny/FF 18.pptx
+++ b/Fihirana Fanampiny/FF 18.pptx
@@ -11,9 +11,9 @@
     <p:sldId id="263" r:id="rId5"/>
     <p:sldId id="267" r:id="rId6"/>
     <p:sldId id="264" r:id="rId7"/>
-    <p:sldId id="271" r:id="rId8"/>
-    <p:sldId id="273" r:id="rId9"/>
-    <p:sldId id="268" r:id="rId10"/>
+    <p:sldId id="268" r:id="rId8"/>
+    <p:sldId id="271" r:id="rId9"/>
+    <p:sldId id="273" r:id="rId10"/>
     <p:sldId id="265" r:id="rId11"/>
     <p:sldId id="269" r:id="rId12"/>
     <p:sldId id="270" r:id="rId13"/>
@@ -119,7 +119,7 @@
   </p:defaultTextStyle>
   <p:extLst>
     <p:ext uri="{EFAFB233-063F-42B5-8137-9DF3F51BA10A}">
-      <p15:sldGuideLst xmlns:p15="http://schemas.microsoft.com/office/powerpoint/2012/main" xmlns="">
+      <p15:sldGuideLst xmlns:p15="http://schemas.microsoft.com/office/powerpoint/2012/main">
         <p15:guide id="1" orient="horz" pos="2160" userDrawn="1">
           <p15:clr>
             <a:srgbClr val="A4A3A4"/>
@@ -331,7 +331,7 @@
             <a:fld id="{E1E9137A-D7C1-4F8C-A62B-C89ADD9F06F3}" type="datetimeFigureOut">
               <a:rPr lang="fr-FR" smtClean="0"/>
               <a:pPr/>
-              <a:t>08/11/2014</a:t>
+              <a:t>15/09/2024</a:t>
             </a:fld>
             <a:endParaRPr lang="fr-FR"/>
           </a:p>
@@ -498,7 +498,7 @@
             <a:fld id="{E1E9137A-D7C1-4F8C-A62B-C89ADD9F06F3}" type="datetimeFigureOut">
               <a:rPr lang="fr-FR" smtClean="0"/>
               <a:pPr/>
-              <a:t>08/11/2014</a:t>
+              <a:t>15/09/2024</a:t>
             </a:fld>
             <a:endParaRPr lang="fr-FR"/>
           </a:p>
@@ -675,7 +675,7 @@
             <a:fld id="{E1E9137A-D7C1-4F8C-A62B-C89ADD9F06F3}" type="datetimeFigureOut">
               <a:rPr lang="fr-FR" smtClean="0"/>
               <a:pPr/>
-              <a:t>08/11/2014</a:t>
+              <a:t>15/09/2024</a:t>
             </a:fld>
             <a:endParaRPr lang="fr-FR"/>
           </a:p>
@@ -842,7 +842,7 @@
             <a:fld id="{E1E9137A-D7C1-4F8C-A62B-C89ADD9F06F3}" type="datetimeFigureOut">
               <a:rPr lang="fr-FR" smtClean="0"/>
               <a:pPr/>
-              <a:t>08/11/2014</a:t>
+              <a:t>15/09/2024</a:t>
             </a:fld>
             <a:endParaRPr lang="fr-FR"/>
           </a:p>
@@ -1085,7 +1085,7 @@
             <a:fld id="{E1E9137A-D7C1-4F8C-A62B-C89ADD9F06F3}" type="datetimeFigureOut">
               <a:rPr lang="fr-FR" smtClean="0"/>
               <a:pPr/>
-              <a:t>08/11/2014</a:t>
+              <a:t>15/09/2024</a:t>
             </a:fld>
             <a:endParaRPr lang="fr-FR"/>
           </a:p>
@@ -1370,7 +1370,7 @@
             <a:fld id="{E1E9137A-D7C1-4F8C-A62B-C89ADD9F06F3}" type="datetimeFigureOut">
               <a:rPr lang="fr-FR" smtClean="0"/>
               <a:pPr/>
-              <a:t>08/11/2014</a:t>
+              <a:t>15/09/2024</a:t>
             </a:fld>
             <a:endParaRPr lang="fr-FR"/>
           </a:p>
@@ -1801,7 +1801,7 @@
             <a:fld id="{E1E9137A-D7C1-4F8C-A62B-C89ADD9F06F3}" type="datetimeFigureOut">
               <a:rPr lang="fr-FR" smtClean="0"/>
               <a:pPr/>
-              <a:t>08/11/2014</a:t>
+              <a:t>15/09/2024</a:t>
             </a:fld>
             <a:endParaRPr lang="fr-FR"/>
           </a:p>
@@ -1916,7 +1916,7 @@
             <a:fld id="{E1E9137A-D7C1-4F8C-A62B-C89ADD9F06F3}" type="datetimeFigureOut">
               <a:rPr lang="fr-FR" smtClean="0"/>
               <a:pPr/>
-              <a:t>08/11/2014</a:t>
+              <a:t>15/09/2024</a:t>
             </a:fld>
             <a:endParaRPr lang="fr-FR"/>
           </a:p>
@@ -2008,7 +2008,7 @@
             <a:fld id="{E1E9137A-D7C1-4F8C-A62B-C89ADD9F06F3}" type="datetimeFigureOut">
               <a:rPr lang="fr-FR" smtClean="0"/>
               <a:pPr/>
-              <a:t>08/11/2014</a:t>
+              <a:t>15/09/2024</a:t>
             </a:fld>
             <a:endParaRPr lang="fr-FR"/>
           </a:p>
@@ -2199,7 +2199,7 @@
             <a:fld id="{E1E9137A-D7C1-4F8C-A62B-C89ADD9F06F3}" type="datetimeFigureOut">
               <a:rPr lang="fr-FR" smtClean="0"/>
               <a:pPr/>
-              <a:t>08/11/2014</a:t>
+              <a:t>15/09/2024</a:t>
             </a:fld>
             <a:endParaRPr lang="fr-FR"/>
           </a:p>
@@ -2519,7 +2519,7 @@
             <a:fld id="{E1E9137A-D7C1-4F8C-A62B-C89ADD9F06F3}" type="datetimeFigureOut">
               <a:rPr lang="fr-FR" smtClean="0"/>
               <a:pPr/>
-              <a:t>08/11/2014</a:t>
+              <a:t>15/09/2024</a:t>
             </a:fld>
             <a:endParaRPr lang="fr-FR"/>
           </a:p>
@@ -2901,7 +2901,7 @@
             <a:fld id="{E1E9137A-D7C1-4F8C-A62B-C89ADD9F06F3}" type="datetimeFigureOut">
               <a:rPr lang="fr-FR" smtClean="0"/>
               <a:pPr/>
-              <a:t>08/11/2014</a:t>
+              <a:t>15/09/2024</a:t>
             </a:fld>
             <a:endParaRPr lang="fr-FR"/>
           </a:p>
@@ -4796,8 +4796,8 @@
         </p:nvSpPr>
         <p:spPr>
           <a:xfrm>
-            <a:off x="0" y="836712"/>
-            <a:ext cx="12192000" cy="5016758"/>
+            <a:off x="-12429" y="302359"/>
+            <a:ext cx="12192000" cy="6555641"/>
           </a:xfrm>
           <a:prstGeom prst="rect">
             <a:avLst/>
@@ -4811,82 +4811,188 @@
           <a:p>
             <a:pPr algn="ctr"/>
             <a:r>
-              <a:rPr lang="en-US" sz="8000" b="1" i="1" dirty="0" err="1" smtClean="0"/>
-              <a:t>Fihatsarambelatsihy</a:t>
-            </a:r>
-            <a:r>
-              <a:rPr lang="en-US" sz="8000" b="1" i="1" dirty="0"/>
+              <a:rPr lang="en-US" sz="6000" b="1" dirty="0" err="1" smtClean="0"/>
+              <a:t>Efa</a:t>
+            </a:r>
+            <a:r>
+              <a:rPr lang="en-US" sz="6000" b="1" dirty="0" smtClean="0"/>
+              <a:t> </a:t>
+            </a:r>
+            <a:r>
+              <a:rPr lang="en-US" sz="6000" b="1" dirty="0" err="1" smtClean="0"/>
+              <a:t>ampy</a:t>
+            </a:r>
+            <a:r>
+              <a:rPr lang="en-US" sz="6000" b="1" dirty="0" smtClean="0"/>
+              <a:t> </a:t>
+            </a:r>
+            <a:r>
+              <a:rPr lang="en-US" sz="6000" b="1" dirty="0" err="1" smtClean="0"/>
+              <a:t>ve</a:t>
+            </a:r>
+            <a:r>
+              <a:rPr lang="en-US" sz="6000" b="1" dirty="0" smtClean="0"/>
               <a:t/>
             </a:r>
             <a:br>
-              <a:rPr lang="en-US" sz="8000" b="1" i="1" dirty="0"/>
+              <a:rPr lang="en-US" sz="6000" b="1" dirty="0" smtClean="0"/>
             </a:br>
             <a:r>
-              <a:rPr lang="en-US" sz="8000" b="1" i="1" dirty="0" err="1"/>
-              <a:t>Aok’izay</a:t>
-            </a:r>
-            <a:r>
-              <a:rPr lang="en-US" sz="8000" b="1" i="1" dirty="0"/>
-              <a:t> </a:t>
-            </a:r>
-            <a:r>
-              <a:rPr lang="en-US" sz="8000" b="1" i="1" dirty="0" err="1"/>
-              <a:t>dieny</a:t>
-            </a:r>
-            <a:r>
-              <a:rPr lang="en-US" sz="8000" b="1" i="1" dirty="0"/>
-              <a:t> </a:t>
-            </a:r>
-            <a:r>
-              <a:rPr lang="en-US" sz="8000" b="1" i="1" dirty="0" err="1"/>
-              <a:t>ety</a:t>
-            </a:r>
-            <a:r>
-              <a:rPr lang="en-US" sz="8000" b="1" i="1" dirty="0"/>
+              <a:rPr lang="en-US" sz="6000" b="1" dirty="0" smtClean="0"/>
+              <a:t>‘</a:t>
+            </a:r>
+            <a:r>
+              <a:rPr lang="en-US" sz="6000" b="1" dirty="0" err="1" smtClean="0"/>
+              <a:t>Zay</a:t>
+            </a:r>
+            <a:r>
+              <a:rPr lang="en-US" sz="6000" b="1" dirty="0" smtClean="0"/>
+              <a:t> </a:t>
+            </a:r>
+            <a:r>
+              <a:rPr lang="en-US" sz="6000" b="1" dirty="0" err="1" smtClean="0"/>
+              <a:t>nafafinao</a:t>
+            </a:r>
+            <a:r>
+              <a:rPr lang="en-US" sz="6000" b="1" dirty="0" smtClean="0"/>
               <a:t/>
             </a:r>
             <a:br>
-              <a:rPr lang="en-US" sz="8000" b="1" i="1" dirty="0"/>
+              <a:rPr lang="en-US" sz="6000" b="1" dirty="0" smtClean="0"/>
             </a:br>
             <a:r>
-              <a:rPr lang="en-US" sz="8000" b="1" i="1" dirty="0" err="1"/>
-              <a:t>Fahafaham-baraka</a:t>
-            </a:r>
-            <a:r>
-              <a:rPr lang="en-US" sz="8000" b="1" i="1" dirty="0"/>
+              <a:rPr lang="en-US" sz="6000" b="1" dirty="0" err="1" smtClean="0"/>
+              <a:t>Mba</a:t>
+            </a:r>
+            <a:r>
+              <a:rPr lang="en-US" sz="6000" b="1" dirty="0" smtClean="0"/>
               <a:t> ho </a:t>
             </a:r>
             <a:r>
-              <a:rPr lang="en-US" sz="8000" b="1" i="1" dirty="0" err="1"/>
+              <a:rPr lang="en-US" sz="6000" b="1" dirty="0" err="1" smtClean="0"/>
+              <a:t>voa</a:t>
+            </a:r>
+            <a:r>
+              <a:rPr lang="en-US" sz="6000" b="1" dirty="0" smtClean="0"/>
+              <a:t> </a:t>
+            </a:r>
+            <a:r>
+              <a:rPr lang="en-US" sz="6000" b="1" dirty="0" err="1" smtClean="0"/>
+              <a:t>mendrika</a:t>
+            </a:r>
+            <a:r>
+              <a:rPr lang="en-US" sz="6000" b="1" dirty="0" smtClean="0"/>
+              <a:t> </a:t>
+            </a:r>
+            <a:r>
+              <a:rPr lang="en-US" sz="6000" b="1" dirty="0" err="1" smtClean="0"/>
+              <a:t>tokoa</a:t>
+            </a:r>
+            <a:r>
+              <a:rPr lang="en-US" sz="6000" b="1" dirty="0" smtClean="0"/>
+              <a:t> ?(</a:t>
+            </a:r>
+            <a:r>
+              <a:rPr lang="en-US" sz="6000" b="1" dirty="0" err="1" smtClean="0"/>
+              <a:t>Ary</a:t>
+            </a:r>
+            <a:r>
+              <a:rPr lang="en-US" sz="6000" b="1" dirty="0" smtClean="0"/>
+              <a:t> </a:t>
+            </a:r>
+            <a:r>
+              <a:rPr lang="en-US" sz="6000" b="1" dirty="0" err="1" smtClean="0"/>
+              <a:t>koa</a:t>
+            </a:r>
+            <a:r>
+              <a:rPr lang="en-US" sz="6000" b="1" dirty="0" smtClean="0"/>
+              <a:t>)</a:t>
+            </a:r>
+            <a:br>
+              <a:rPr lang="en-US" sz="6000" b="1" dirty="0" smtClean="0"/>
+            </a:br>
+            <a:r>
+              <a:rPr lang="en-US" sz="6000" b="1" dirty="0" err="1" smtClean="0"/>
+              <a:t>Efa</a:t>
+            </a:r>
+            <a:r>
+              <a:rPr lang="en-US" sz="6000" b="1" dirty="0" smtClean="0"/>
+              <a:t> </a:t>
+            </a:r>
+            <a:r>
+              <a:rPr lang="en-US" sz="6000" b="1" dirty="0" err="1" smtClean="0"/>
+              <a:t>tontosa</a:t>
+            </a:r>
+            <a:r>
+              <a:rPr lang="en-US" sz="6000" b="1" dirty="0" smtClean="0"/>
+              <a:t> </a:t>
+            </a:r>
+            <a:r>
+              <a:rPr lang="en-US" sz="6000" b="1" dirty="0" err="1" smtClean="0"/>
+              <a:t>ve</a:t>
+            </a:r>
+            <a:r>
+              <a:rPr lang="en-US" sz="6000" b="1" dirty="0" smtClean="0"/>
+              <a:t/>
+            </a:r>
+            <a:br>
+              <a:rPr lang="en-US" sz="6000" b="1" dirty="0" smtClean="0"/>
+            </a:br>
+            <a:r>
+              <a:rPr lang="en-US" sz="6000" b="1" dirty="0" err="1" smtClean="0"/>
+              <a:t>Ny</a:t>
+            </a:r>
+            <a:r>
+              <a:rPr lang="en-US" sz="6000" b="1" dirty="0" smtClean="0"/>
+              <a:t> </a:t>
+            </a:r>
+            <a:r>
+              <a:rPr lang="en-US" sz="6000" b="1" dirty="0" err="1" smtClean="0"/>
+              <a:t>anjaranao</a:t>
+            </a:r>
+            <a:r>
+              <a:rPr lang="en-US" sz="6000" b="1" dirty="0" smtClean="0"/>
+              <a:t/>
+            </a:r>
+            <a:br>
+              <a:rPr lang="en-US" sz="6000" b="1" dirty="0" smtClean="0"/>
+            </a:br>
+            <a:r>
+              <a:rPr lang="en-US" sz="6000" b="1" dirty="0" err="1" smtClean="0"/>
+              <a:t>Tsy</a:t>
+            </a:r>
+            <a:r>
+              <a:rPr lang="en-US" sz="6000" b="1" dirty="0" smtClean="0"/>
+              <a:t> </a:t>
+            </a:r>
+            <a:r>
+              <a:rPr lang="en-US" sz="6000" b="1" dirty="0" err="1" smtClean="0"/>
+              <a:t>hahameloka</a:t>
+            </a:r>
+            <a:r>
+              <a:rPr lang="en-US" sz="6000" b="1" dirty="0" smtClean="0"/>
+              <a:t> </a:t>
+            </a:r>
+            <a:r>
+              <a:rPr lang="en-US" sz="6000" b="1" dirty="0" err="1" smtClean="0"/>
               <a:t>anao</a:t>
             </a:r>
             <a:r>
-              <a:rPr lang="en-US" sz="8000" b="1" i="1" dirty="0"/>
-              <a:t/>
-            </a:r>
-            <a:br>
-              <a:rPr lang="en-US" sz="8000" b="1" i="1" dirty="0"/>
-            </a:br>
-            <a:r>
-              <a:rPr lang="en-US" sz="8000" b="1" i="1" dirty="0" err="1"/>
-              <a:t>Ka</a:t>
-            </a:r>
-            <a:r>
-              <a:rPr lang="en-US" sz="8000" b="1" i="1" dirty="0"/>
-              <a:t> </a:t>
-            </a:r>
-            <a:r>
-              <a:rPr lang="en-US" sz="8000" b="1" i="1" dirty="0" err="1" smtClean="0"/>
-              <a:t>ialao</a:t>
-            </a:r>
-            <a:endParaRPr lang="fr-FR" sz="8000" b="1" i="1" dirty="0"/>
+              <a:rPr lang="en-US" sz="6000" b="1" dirty="0" smtClean="0"/>
+              <a:t> </a:t>
+            </a:r>
+            <a:r>
+              <a:rPr lang="en-US" sz="6000" b="1" dirty="0" err="1" smtClean="0"/>
+              <a:t>rahatrizay</a:t>
+            </a:r>
+            <a:endParaRPr lang="fr-FR" sz="6000" b="1" dirty="0"/>
           </a:p>
         </p:txBody>
       </p:sp>
     </p:spTree>
     <p:extLst>
       <p:ext uri="{BB962C8B-B14F-4D97-AF65-F5344CB8AC3E}">
-        <p14:creationId xmlns:p14="http://schemas.microsoft.com/office/powerpoint/2010/main" val="68685991"/>
+        <p14:creationId xmlns:p14="http://schemas.microsoft.com/office/powerpoint/2010/main" val="4051650945"/>
       </p:ext>
     </p:extLst>
   </p:cSld>
@@ -4928,8 +5034,8 @@
         </p:nvSpPr>
         <p:spPr>
           <a:xfrm>
-            <a:off x="0" y="476672"/>
-            <a:ext cx="12192000" cy="5509200"/>
+            <a:off x="0" y="836712"/>
+            <a:ext cx="12192000" cy="5016758"/>
           </a:xfrm>
           <a:prstGeom prst="rect">
             <a:avLst/>
@@ -4943,103 +5049,82 @@
           <a:p>
             <a:pPr algn="ctr"/>
             <a:r>
-              <a:rPr lang="en-US" sz="8800" b="1" i="1" dirty="0" err="1" smtClean="0"/>
-              <a:t>Raha</a:t>
-            </a:r>
-            <a:r>
-              <a:rPr lang="en-US" sz="8800" b="1" i="1" dirty="0" smtClean="0"/>
-              <a:t> </a:t>
-            </a:r>
-            <a:r>
-              <a:rPr lang="en-US" sz="8800" b="1" i="1" dirty="0" err="1"/>
-              <a:t>toa</a:t>
-            </a:r>
-            <a:r>
-              <a:rPr lang="en-US" sz="8800" b="1" i="1" dirty="0"/>
-              <a:t> </a:t>
-            </a:r>
-            <a:r>
-              <a:rPr lang="en-US" sz="8800" b="1" i="1" dirty="0" err="1"/>
-              <a:t>tianao</a:t>
-            </a:r>
-            <a:r>
-              <a:rPr lang="en-US" sz="8800" b="1" i="1" dirty="0"/>
+              <a:rPr lang="en-US" sz="8000" b="1" i="1" dirty="0" err="1" smtClean="0"/>
+              <a:t>Fihatsarambelatsihy</a:t>
+            </a:r>
+            <a:r>
+              <a:rPr lang="en-US" sz="8000" b="1" i="1" dirty="0"/>
               <a:t/>
             </a:r>
             <a:br>
-              <a:rPr lang="en-US" sz="8800" b="1" i="1" dirty="0"/>
+              <a:rPr lang="en-US" sz="8000" b="1" i="1" dirty="0"/>
             </a:br>
             <a:r>
-              <a:rPr lang="en-US" sz="8800" b="1" i="1" dirty="0"/>
-              <a:t>Ho </a:t>
-            </a:r>
-            <a:r>
-              <a:rPr lang="en-US" sz="8800" b="1" i="1" dirty="0" err="1"/>
-              <a:t>voavonjy</a:t>
-            </a:r>
-            <a:r>
-              <a:rPr lang="en-US" sz="8800" b="1" i="1" dirty="0"/>
-              <a:t> </a:t>
-            </a:r>
-            <a:r>
-              <a:rPr lang="en-US" sz="8800" b="1" i="1" dirty="0" err="1"/>
-              <a:t>ianao</a:t>
-            </a:r>
-            <a:r>
-              <a:rPr lang="en-US" sz="8800" b="1" i="1" dirty="0"/>
+              <a:rPr lang="en-US" sz="8000" b="1" i="1" dirty="0" err="1"/>
+              <a:t>Aok’izay</a:t>
+            </a:r>
+            <a:r>
+              <a:rPr lang="en-US" sz="8000" b="1" i="1" dirty="0"/>
+              <a:t> </a:t>
+            </a:r>
+            <a:r>
+              <a:rPr lang="en-US" sz="8000" b="1" i="1" dirty="0" err="1"/>
+              <a:t>dieny</a:t>
+            </a:r>
+            <a:r>
+              <a:rPr lang="en-US" sz="8000" b="1" i="1" dirty="0"/>
+              <a:t> </a:t>
+            </a:r>
+            <a:r>
+              <a:rPr lang="en-US" sz="8000" b="1" i="1" dirty="0" err="1"/>
+              <a:t>ety</a:t>
+            </a:r>
+            <a:r>
+              <a:rPr lang="en-US" sz="8000" b="1" i="1" dirty="0"/>
               <a:t/>
             </a:r>
             <a:br>
-              <a:rPr lang="en-US" sz="8800" b="1" i="1" dirty="0"/>
+              <a:rPr lang="en-US" sz="8000" b="1" i="1" dirty="0"/>
             </a:br>
             <a:r>
-              <a:rPr lang="en-US" sz="8800" b="1" i="1" dirty="0" err="1"/>
-              <a:t>Afafazo</a:t>
-            </a:r>
-            <a:r>
-              <a:rPr lang="en-US" sz="8800" b="1" i="1" dirty="0"/>
-              <a:t> ‘</a:t>
-            </a:r>
-            <a:r>
-              <a:rPr lang="en-US" sz="8800" b="1" i="1" dirty="0" err="1"/>
-              <a:t>zay</a:t>
-            </a:r>
-            <a:r>
-              <a:rPr lang="en-US" sz="8800" b="1" i="1" dirty="0"/>
-              <a:t> </a:t>
-            </a:r>
-            <a:r>
-              <a:rPr lang="en-US" sz="8800" b="1" i="1" dirty="0" err="1"/>
-              <a:t>voa</a:t>
-            </a:r>
-            <a:r>
-              <a:rPr lang="en-US" sz="8800" b="1" i="1" dirty="0"/>
-              <a:t> </a:t>
-            </a:r>
-            <a:r>
-              <a:rPr lang="en-US" sz="8800" b="1" i="1" dirty="0" err="1"/>
-              <a:t>mendrika</a:t>
-            </a:r>
-            <a:r>
-              <a:rPr lang="en-US" sz="8800" b="1" i="1" dirty="0"/>
-              <a:t> (</a:t>
-            </a:r>
-            <a:r>
-              <a:rPr lang="en-US" sz="8800" b="1" i="1" dirty="0" err="1"/>
-              <a:t>Mendrika</a:t>
-            </a:r>
-            <a:r>
-              <a:rPr lang="en-US" sz="8800" b="1" i="1" dirty="0"/>
-              <a:t>)</a:t>
-            </a:r>
-            <a:endParaRPr lang="fr-FR" sz="8800" b="1" i="1" dirty="0"/>
+              <a:rPr lang="en-US" sz="8000" b="1" i="1" dirty="0" err="1"/>
+              <a:t>Fahafaham-baraka</a:t>
+            </a:r>
+            <a:r>
+              <a:rPr lang="en-US" sz="8000" b="1" i="1" dirty="0"/>
+              <a:t> ho </a:t>
+            </a:r>
+            <a:r>
+              <a:rPr lang="en-US" sz="8000" b="1" i="1" dirty="0" err="1"/>
+              <a:t>anao</a:t>
+            </a:r>
+            <a:r>
+              <a:rPr lang="en-US" sz="8000" b="1" i="1" dirty="0"/>
+              <a:t/>
+            </a:r>
+            <a:br>
+              <a:rPr lang="en-US" sz="8000" b="1" i="1" dirty="0"/>
+            </a:br>
+            <a:r>
+              <a:rPr lang="en-US" sz="8000" b="1" i="1" dirty="0" err="1"/>
+              <a:t>Ka</a:t>
+            </a:r>
+            <a:r>
+              <a:rPr lang="en-US" sz="8000" b="1" i="1" dirty="0"/>
+              <a:t> </a:t>
+            </a:r>
+            <a:r>
+              <a:rPr lang="en-US" sz="8000" b="1" i="1" dirty="0" err="1" smtClean="0"/>
+              <a:t>ialao</a:t>
+            </a:r>
+            <a:endParaRPr lang="fr-FR" sz="8000" b="1" i="1" dirty="0"/>
           </a:p>
         </p:txBody>
       </p:sp>
     </p:spTree>
     <p:extLst>
       <p:ext uri="{BB962C8B-B14F-4D97-AF65-F5344CB8AC3E}">
-        <p14:creationId xmlns:p14="http://schemas.microsoft.com/office/powerpoint/2010/main" val="426606712"/>
+        <p14:creationId xmlns:p14="http://schemas.microsoft.com/office/powerpoint/2010/main" val="68685991"/>
       </p:ext>
     </p:extLst>
   </p:cSld>
@@ -5081,8 +5166,8 @@
         </p:nvSpPr>
         <p:spPr>
           <a:xfrm>
-            <a:off x="-12429" y="302359"/>
-            <a:ext cx="12192000" cy="6555641"/>
+            <a:off x="0" y="476672"/>
+            <a:ext cx="12192000" cy="5509200"/>
           </a:xfrm>
           <a:prstGeom prst="rect">
             <a:avLst/>
@@ -5096,188 +5181,103 @@
           <a:p>
             <a:pPr algn="ctr"/>
             <a:r>
-              <a:rPr lang="en-US" sz="6000" b="1" dirty="0" err="1" smtClean="0"/>
-              <a:t>Efa</a:t>
-            </a:r>
-            <a:r>
-              <a:rPr lang="en-US" sz="6000" b="1" dirty="0" smtClean="0"/>
-              <a:t> </a:t>
-            </a:r>
-            <a:r>
-              <a:rPr lang="en-US" sz="6000" b="1" dirty="0" err="1" smtClean="0"/>
-              <a:t>ampy</a:t>
-            </a:r>
-            <a:r>
-              <a:rPr lang="en-US" sz="6000" b="1" dirty="0" smtClean="0"/>
-              <a:t> </a:t>
-            </a:r>
-            <a:r>
-              <a:rPr lang="en-US" sz="6000" b="1" dirty="0" err="1" smtClean="0"/>
-              <a:t>ve</a:t>
-            </a:r>
-            <a:r>
-              <a:rPr lang="en-US" sz="6000" b="1" dirty="0" smtClean="0"/>
+              <a:rPr lang="en-US" sz="8800" b="1" i="1" dirty="0" err="1" smtClean="0"/>
+              <a:t>Raha</a:t>
+            </a:r>
+            <a:r>
+              <a:rPr lang="en-US" sz="8800" b="1" i="1" dirty="0" smtClean="0"/>
+              <a:t> </a:t>
+            </a:r>
+            <a:r>
+              <a:rPr lang="en-US" sz="8800" b="1" i="1" dirty="0" err="1"/>
+              <a:t>toa</a:t>
+            </a:r>
+            <a:r>
+              <a:rPr lang="en-US" sz="8800" b="1" i="1" dirty="0"/>
+              <a:t> </a:t>
+            </a:r>
+            <a:r>
+              <a:rPr lang="en-US" sz="8800" b="1" i="1" dirty="0" err="1"/>
+              <a:t>tianao</a:t>
+            </a:r>
+            <a:r>
+              <a:rPr lang="en-US" sz="8800" b="1" i="1" dirty="0"/>
               <a:t/>
             </a:r>
             <a:br>
-              <a:rPr lang="en-US" sz="6000" b="1" dirty="0" smtClean="0"/>
+              <a:rPr lang="en-US" sz="8800" b="1" i="1" dirty="0"/>
             </a:br>
             <a:r>
-              <a:rPr lang="en-US" sz="6000" b="1" dirty="0" smtClean="0"/>
-              <a:t>‘</a:t>
-            </a:r>
-            <a:r>
-              <a:rPr lang="en-US" sz="6000" b="1" dirty="0" err="1" smtClean="0"/>
-              <a:t>Zay</a:t>
-            </a:r>
-            <a:r>
-              <a:rPr lang="en-US" sz="6000" b="1" dirty="0" smtClean="0"/>
-              <a:t> </a:t>
-            </a:r>
-            <a:r>
-              <a:rPr lang="en-US" sz="6000" b="1" dirty="0" err="1" smtClean="0"/>
-              <a:t>nafafinao</a:t>
-            </a:r>
-            <a:r>
-              <a:rPr lang="en-US" sz="6000" b="1" dirty="0" smtClean="0"/>
+              <a:rPr lang="en-US" sz="8800" b="1" i="1" dirty="0"/>
+              <a:t>Ho </a:t>
+            </a:r>
+            <a:r>
+              <a:rPr lang="en-US" sz="8800" b="1" i="1" dirty="0" err="1"/>
+              <a:t>voavonjy</a:t>
+            </a:r>
+            <a:r>
+              <a:rPr lang="en-US" sz="8800" b="1" i="1" dirty="0"/>
+              <a:t> </a:t>
+            </a:r>
+            <a:r>
+              <a:rPr lang="en-US" sz="8800" b="1" i="1" dirty="0" err="1"/>
+              <a:t>ianao</a:t>
+            </a:r>
+            <a:r>
+              <a:rPr lang="en-US" sz="8800" b="1" i="1" dirty="0"/>
               <a:t/>
             </a:r>
             <a:br>
-              <a:rPr lang="en-US" sz="6000" b="1" dirty="0" smtClean="0"/>
+              <a:rPr lang="en-US" sz="8800" b="1" i="1" dirty="0"/>
             </a:br>
             <a:r>
-              <a:rPr lang="en-US" sz="6000" b="1" dirty="0" err="1" smtClean="0"/>
-              <a:t>Mba</a:t>
-            </a:r>
-            <a:r>
-              <a:rPr lang="en-US" sz="6000" b="1" dirty="0" smtClean="0"/>
-              <a:t> ho </a:t>
-            </a:r>
-            <a:r>
-              <a:rPr lang="en-US" sz="6000" b="1" dirty="0" err="1" smtClean="0"/>
+              <a:rPr lang="en-US" sz="8800" b="1" i="1" dirty="0" err="1"/>
+              <a:t>Afafazo</a:t>
+            </a:r>
+            <a:r>
+              <a:rPr lang="en-US" sz="8800" b="1" i="1" dirty="0"/>
+              <a:t> ‘</a:t>
+            </a:r>
+            <a:r>
+              <a:rPr lang="en-US" sz="8800" b="1" i="1" dirty="0" err="1"/>
+              <a:t>zay</a:t>
+            </a:r>
+            <a:r>
+              <a:rPr lang="en-US" sz="8800" b="1" i="1" dirty="0"/>
+              <a:t> </a:t>
+            </a:r>
+            <a:r>
+              <a:rPr lang="en-US" sz="8800" b="1" i="1" dirty="0" err="1"/>
               <a:t>voa</a:t>
             </a:r>
             <a:r>
-              <a:rPr lang="en-US" sz="6000" b="1" dirty="0" smtClean="0"/>
-              <a:t> </a:t>
-            </a:r>
-            <a:r>
-              <a:rPr lang="en-US" sz="6000" b="1" dirty="0" err="1" smtClean="0"/>
+              <a:rPr lang="en-US" sz="8800" b="1" i="1" dirty="0"/>
+              <a:t> </a:t>
+            </a:r>
+            <a:r>
+              <a:rPr lang="en-US" sz="8800" b="1" i="1" dirty="0" err="1"/>
               <a:t>mendrika</a:t>
             </a:r>
             <a:r>
-              <a:rPr lang="en-US" sz="6000" b="1" dirty="0" smtClean="0"/>
-              <a:t> </a:t>
-            </a:r>
-            <a:r>
-              <a:rPr lang="en-US" sz="6000" b="1" dirty="0" err="1" smtClean="0"/>
-              <a:t>tokoa</a:t>
-            </a:r>
-            <a:r>
-              <a:rPr lang="en-US" sz="6000" b="1" dirty="0" smtClean="0"/>
-              <a:t> ?(</a:t>
-            </a:r>
-            <a:r>
-              <a:rPr lang="en-US" sz="6000" b="1" dirty="0" err="1" smtClean="0"/>
-              <a:t>Ary</a:t>
-            </a:r>
-            <a:r>
-              <a:rPr lang="en-US" sz="6000" b="1" dirty="0" smtClean="0"/>
-              <a:t> </a:t>
-            </a:r>
-            <a:r>
-              <a:rPr lang="en-US" sz="6000" b="1" dirty="0" err="1" smtClean="0"/>
-              <a:t>koa</a:t>
-            </a:r>
-            <a:r>
-              <a:rPr lang="en-US" sz="6000" b="1" dirty="0" smtClean="0"/>
+              <a:rPr lang="en-US" sz="8800" b="1" i="1" dirty="0"/>
+              <a:t> (</a:t>
+            </a:r>
+            <a:r>
+              <a:rPr lang="en-US" sz="8800" b="1" i="1" dirty="0" err="1"/>
+              <a:t>Mendrika</a:t>
+            </a:r>
+            <a:r>
+              <a:rPr lang="en-US" sz="8800" b="1" i="1" dirty="0"/>
               <a:t>)</a:t>
             </a:r>
-            <a:br>
-              <a:rPr lang="en-US" sz="6000" b="1" dirty="0" smtClean="0"/>
-            </a:br>
-            <a:r>
-              <a:rPr lang="en-US" sz="6000" b="1" dirty="0" err="1" smtClean="0"/>
-              <a:t>Efa</a:t>
-            </a:r>
-            <a:r>
-              <a:rPr lang="en-US" sz="6000" b="1" dirty="0" smtClean="0"/>
-              <a:t> </a:t>
-            </a:r>
-            <a:r>
-              <a:rPr lang="en-US" sz="6000" b="1" dirty="0" err="1" smtClean="0"/>
-              <a:t>tontosa</a:t>
-            </a:r>
-            <a:r>
-              <a:rPr lang="en-US" sz="6000" b="1" dirty="0" smtClean="0"/>
-              <a:t> </a:t>
-            </a:r>
-            <a:r>
-              <a:rPr lang="en-US" sz="6000" b="1" dirty="0" err="1" smtClean="0"/>
-              <a:t>ve</a:t>
-            </a:r>
-            <a:r>
-              <a:rPr lang="en-US" sz="6000" b="1" dirty="0" smtClean="0"/>
-              <a:t/>
-            </a:r>
-            <a:br>
-              <a:rPr lang="en-US" sz="6000" b="1" dirty="0" smtClean="0"/>
-            </a:br>
-            <a:r>
-              <a:rPr lang="en-US" sz="6000" b="1" dirty="0" err="1" smtClean="0"/>
-              <a:t>Ny</a:t>
-            </a:r>
-            <a:r>
-              <a:rPr lang="en-US" sz="6000" b="1" dirty="0" smtClean="0"/>
-              <a:t> </a:t>
-            </a:r>
-            <a:r>
-              <a:rPr lang="en-US" sz="6000" b="1" dirty="0" err="1" smtClean="0"/>
-              <a:t>anjaranao</a:t>
-            </a:r>
-            <a:r>
-              <a:rPr lang="en-US" sz="6000" b="1" dirty="0" smtClean="0"/>
-              <a:t/>
-            </a:r>
-            <a:br>
-              <a:rPr lang="en-US" sz="6000" b="1" dirty="0" smtClean="0"/>
-            </a:br>
-            <a:r>
-              <a:rPr lang="en-US" sz="6000" b="1" dirty="0" err="1" smtClean="0"/>
-              <a:t>Tsy</a:t>
-            </a:r>
-            <a:r>
-              <a:rPr lang="en-US" sz="6000" b="1" dirty="0" smtClean="0"/>
-              <a:t> </a:t>
-            </a:r>
-            <a:r>
-              <a:rPr lang="en-US" sz="6000" b="1" dirty="0" err="1" smtClean="0"/>
-              <a:t>hahameloka</a:t>
-            </a:r>
-            <a:r>
-              <a:rPr lang="en-US" sz="6000" b="1" dirty="0" smtClean="0"/>
-              <a:t> </a:t>
-            </a:r>
-            <a:r>
-              <a:rPr lang="en-US" sz="6000" b="1" dirty="0" err="1" smtClean="0"/>
-              <a:t>anao</a:t>
-            </a:r>
-            <a:r>
-              <a:rPr lang="en-US" sz="6000" b="1" dirty="0" smtClean="0"/>
-              <a:t> </a:t>
-            </a:r>
-            <a:r>
-              <a:rPr lang="en-US" sz="6000" b="1" dirty="0" err="1" smtClean="0"/>
-              <a:t>rahatrizay</a:t>
-            </a:r>
-            <a:endParaRPr lang="fr-FR" sz="6000" b="1" dirty="0"/>
+            <a:endParaRPr lang="fr-FR" sz="8800" b="1" i="1" dirty="0"/>
           </a:p>
         </p:txBody>
       </p:sp>
     </p:spTree>
     <p:extLst>
       <p:ext uri="{BB962C8B-B14F-4D97-AF65-F5344CB8AC3E}">
-        <p14:creationId xmlns:p14="http://schemas.microsoft.com/office/powerpoint/2010/main" val="4051650945"/>
+        <p14:creationId xmlns:p14="http://schemas.microsoft.com/office/powerpoint/2010/main" val="426606712"/>
       </p:ext>
     </p:extLst>
   </p:cSld>
